--- a/slides.pptx
+++ b/slides.pptx
@@ -6,7 +6,7 @@
   </p:sldMasterIdLst>
   <p:sldIdLst>
     <p:sldId id="256" r:id="rId2"/>
-    <p:sldId id="258" r:id="rId3"/>
+    <p:sldId id="259" r:id="rId3"/>
   </p:sldIdLst>
   <p:sldSz cx="12192000" cy="6858000"/>
   <p:notesSz cx="6858000" cy="9144000"/>
@@ -297,7 +297,7 @@
           <a:p>
             <a:fld id="{9325D1A0-5522-B84D-977D-0F29E897FCA8}" type="datetimeFigureOut">
               <a:rPr lang="en-US" smtClean="0"/>
-              <a:t>8/19/22</a:t>
+              <a:t>8/26/22</a:t>
             </a:fld>
             <a:endParaRPr lang="en-US"/>
           </a:p>
@@ -495,7 +495,7 @@
           <a:p>
             <a:fld id="{9325D1A0-5522-B84D-977D-0F29E897FCA8}" type="datetimeFigureOut">
               <a:rPr lang="en-US" smtClean="0"/>
-              <a:t>8/19/22</a:t>
+              <a:t>8/26/22</a:t>
             </a:fld>
             <a:endParaRPr lang="en-US"/>
           </a:p>
@@ -703,7 +703,7 @@
           <a:p>
             <a:fld id="{9325D1A0-5522-B84D-977D-0F29E897FCA8}" type="datetimeFigureOut">
               <a:rPr lang="en-US" smtClean="0"/>
-              <a:t>8/19/22</a:t>
+              <a:t>8/26/22</a:t>
             </a:fld>
             <a:endParaRPr lang="en-US"/>
           </a:p>
@@ -901,7 +901,7 @@
           <a:p>
             <a:fld id="{9325D1A0-5522-B84D-977D-0F29E897FCA8}" type="datetimeFigureOut">
               <a:rPr lang="en-US" smtClean="0"/>
-              <a:t>8/19/22</a:t>
+              <a:t>8/26/22</a:t>
             </a:fld>
             <a:endParaRPr lang="en-US"/>
           </a:p>
@@ -1176,7 +1176,7 @@
           <a:p>
             <a:fld id="{9325D1A0-5522-B84D-977D-0F29E897FCA8}" type="datetimeFigureOut">
               <a:rPr lang="en-US" smtClean="0"/>
-              <a:t>8/19/22</a:t>
+              <a:t>8/26/22</a:t>
             </a:fld>
             <a:endParaRPr lang="en-US"/>
           </a:p>
@@ -1441,7 +1441,7 @@
           <a:p>
             <a:fld id="{9325D1A0-5522-B84D-977D-0F29E897FCA8}" type="datetimeFigureOut">
               <a:rPr lang="en-US" smtClean="0"/>
-              <a:t>8/19/22</a:t>
+              <a:t>8/26/22</a:t>
             </a:fld>
             <a:endParaRPr lang="en-US"/>
           </a:p>
@@ -1853,7 +1853,7 @@
           <a:p>
             <a:fld id="{9325D1A0-5522-B84D-977D-0F29E897FCA8}" type="datetimeFigureOut">
               <a:rPr lang="en-US" smtClean="0"/>
-              <a:t>8/19/22</a:t>
+              <a:t>8/26/22</a:t>
             </a:fld>
             <a:endParaRPr lang="en-US"/>
           </a:p>
@@ -1994,7 +1994,7 @@
           <a:p>
             <a:fld id="{9325D1A0-5522-B84D-977D-0F29E897FCA8}" type="datetimeFigureOut">
               <a:rPr lang="en-US" smtClean="0"/>
-              <a:t>8/19/22</a:t>
+              <a:t>8/26/22</a:t>
             </a:fld>
             <a:endParaRPr lang="en-US"/>
           </a:p>
@@ -2107,7 +2107,7 @@
           <a:p>
             <a:fld id="{9325D1A0-5522-B84D-977D-0F29E897FCA8}" type="datetimeFigureOut">
               <a:rPr lang="en-US" smtClean="0"/>
-              <a:t>8/19/22</a:t>
+              <a:t>8/26/22</a:t>
             </a:fld>
             <a:endParaRPr lang="en-US"/>
           </a:p>
@@ -2418,7 +2418,7 @@
           <a:p>
             <a:fld id="{9325D1A0-5522-B84D-977D-0F29E897FCA8}" type="datetimeFigureOut">
               <a:rPr lang="en-US" smtClean="0"/>
-              <a:t>8/19/22</a:t>
+              <a:t>8/26/22</a:t>
             </a:fld>
             <a:endParaRPr lang="en-US"/>
           </a:p>
@@ -2706,7 +2706,7 @@
           <a:p>
             <a:fld id="{9325D1A0-5522-B84D-977D-0F29E897FCA8}" type="datetimeFigureOut">
               <a:rPr lang="en-US" smtClean="0"/>
-              <a:t>8/19/22</a:t>
+              <a:t>8/26/22</a:t>
             </a:fld>
             <a:endParaRPr lang="en-US"/>
           </a:p>
@@ -2947,7 +2947,7 @@
           <a:p>
             <a:fld id="{9325D1A0-5522-B84D-977D-0F29E897FCA8}" type="datetimeFigureOut">
               <a:rPr lang="en-US" smtClean="0"/>
-              <a:t>8/19/22</a:t>
+              <a:t>8/26/22</a:t>
             </a:fld>
             <a:endParaRPr lang="en-US"/>
           </a:p>
@@ -5915,1011 +5915,979 @@
           <a:chExt cx="0" cy="0"/>
         </a:xfrm>
       </p:grpSpPr>
-      <p:grpSp>
-        <p:nvGrpSpPr>
-          <p:cNvPr id="3" name="Group 2">
-            <a:extLst>
-              <a:ext uri="{FF2B5EF4-FFF2-40B4-BE49-F238E27FC236}">
-                <a16:creationId xmlns:a16="http://schemas.microsoft.com/office/drawing/2014/main" id="{D5971FB0-33F0-A1C0-D159-A2781DDAE7FC}"/>
-              </a:ext>
-            </a:extLst>
-          </p:cNvPr>
-          <p:cNvGrpSpPr/>
+      <p:pic>
+        <p:nvPicPr>
+          <p:cNvPr id="4" name="Picture 3">
+            <a:extLst>
+              <a:ext uri="{FF2B5EF4-FFF2-40B4-BE49-F238E27FC236}">
+                <a16:creationId xmlns:a16="http://schemas.microsoft.com/office/drawing/2014/main" id="{9D2AFE80-C7F8-5BE1-9BC2-7C9E72C9A8EC}"/>
+              </a:ext>
+            </a:extLst>
+          </p:cNvPr>
+          <p:cNvPicPr>
+            <a:picLocks noChangeAspect="1"/>
+          </p:cNvPicPr>
           <p:nvPr/>
-        </p:nvGrpSpPr>
-        <p:grpSpPr>
-          <a:xfrm>
-            <a:off x="746760" y="754380"/>
+        </p:nvPicPr>
+        <p:blipFill>
+          <a:blip r:embed="rId2"/>
+          <a:stretch>
+            <a:fillRect/>
+          </a:stretch>
+        </p:blipFill>
+        <p:spPr>
+          <a:xfrm>
+            <a:off x="746760" y="758952"/>
             <a:ext cx="10698480" cy="5349240"/>
-            <a:chOff x="746760" y="754380"/>
-            <a:chExt cx="10698480" cy="5349240"/>
-          </a:xfrm>
-        </p:grpSpPr>
-        <p:pic>
-          <p:nvPicPr>
-            <p:cNvPr id="2" name="Picture 1">
-              <a:extLst>
-                <a:ext uri="{FF2B5EF4-FFF2-40B4-BE49-F238E27FC236}">
-                  <a16:creationId xmlns:a16="http://schemas.microsoft.com/office/drawing/2014/main" id="{D8866705-8118-BB3C-50B8-4CA672385342}"/>
-                </a:ext>
-              </a:extLst>
-            </p:cNvPr>
-            <p:cNvPicPr>
-              <a:picLocks noChangeAspect="1"/>
-            </p:cNvPicPr>
-            <p:nvPr/>
-          </p:nvPicPr>
-          <p:blipFill>
-            <a:blip r:embed="rId2"/>
-            <a:stretch>
-              <a:fillRect/>
-            </a:stretch>
-          </p:blipFill>
-          <p:spPr>
-            <a:xfrm>
-              <a:off x="746760" y="754380"/>
-              <a:ext cx="10698480" cy="5349240"/>
-            </a:xfrm>
-            <a:prstGeom prst="rect">
-              <a:avLst/>
-            </a:prstGeom>
-          </p:spPr>
-        </p:pic>
-        <p:sp>
-          <p:nvSpPr>
-            <p:cNvPr id="5" name="TextBox 4">
-              <a:extLst>
-                <a:ext uri="{FF2B5EF4-FFF2-40B4-BE49-F238E27FC236}">
-                  <a16:creationId xmlns:a16="http://schemas.microsoft.com/office/drawing/2014/main" id="{23088E84-84B7-B21C-5ED4-FBAD38940592}"/>
-                </a:ext>
-              </a:extLst>
-            </p:cNvPr>
-            <p:cNvSpPr txBox="1"/>
-            <p:nvPr/>
-          </p:nvSpPr>
-          <p:spPr>
-            <a:xfrm>
-              <a:off x="2300166" y="1147628"/>
-              <a:ext cx="917239" cy="400110"/>
-            </a:xfrm>
-            <a:prstGeom prst="rect">
-              <a:avLst/>
-            </a:prstGeom>
-            <a:noFill/>
-          </p:spPr>
-          <p:txBody>
-            <a:bodyPr wrap="none" rtlCol="0">
-              <a:spAutoFit/>
-            </a:bodyPr>
-            <a:lstStyle/>
-            <a:p>
-              <a:r>
-                <a:rPr lang="en-US" sz="1000" i="1" dirty="0">
-                  <a:latin typeface="Arial" panose="020B0604020202020204" pitchFamily="34" charset="0"/>
-                  <a:cs typeface="Arial" panose="020B0604020202020204" pitchFamily="34" charset="0"/>
-                </a:rPr>
-                <a:t>R</a:t>
-              </a:r>
-              <a:r>
-                <a:rPr lang="en-US" sz="1000" i="1" baseline="30000" dirty="0">
-                  <a:latin typeface="Arial" panose="020B0604020202020204" pitchFamily="34" charset="0"/>
-                  <a:cs typeface="Arial" panose="020B0604020202020204" pitchFamily="34" charset="0"/>
-                </a:rPr>
-                <a:t>2</a:t>
-              </a:r>
-              <a:r>
-                <a:rPr lang="en-US" sz="1000" dirty="0">
-                  <a:latin typeface="Arial" panose="020B0604020202020204" pitchFamily="34" charset="0"/>
-                  <a:cs typeface="Arial" panose="020B0604020202020204" pitchFamily="34" charset="0"/>
-                </a:rPr>
-                <a:t> = 0.94</a:t>
-              </a:r>
-            </a:p>
-            <a:p>
-              <a:r>
-                <a:rPr lang="en-US" sz="1000" i="1" dirty="0">
-                  <a:latin typeface="Arial" panose="020B0604020202020204" pitchFamily="34" charset="0"/>
-                  <a:cs typeface="Arial" panose="020B0604020202020204" pitchFamily="34" charset="0"/>
-                </a:rPr>
-                <a:t>P</a:t>
-              </a:r>
-              <a:r>
-                <a:rPr lang="en-US" sz="1000" dirty="0">
-                  <a:latin typeface="Arial" panose="020B0604020202020204" pitchFamily="34" charset="0"/>
-                  <a:cs typeface="Arial" panose="020B0604020202020204" pitchFamily="34" charset="0"/>
-                </a:rPr>
-                <a:t> = 2.99e-06</a:t>
-              </a:r>
-            </a:p>
-          </p:txBody>
-        </p:sp>
-        <p:sp>
-          <p:nvSpPr>
-            <p:cNvPr id="6" name="TextBox 5">
-              <a:extLst>
-                <a:ext uri="{FF2B5EF4-FFF2-40B4-BE49-F238E27FC236}">
-                  <a16:creationId xmlns:a16="http://schemas.microsoft.com/office/drawing/2014/main" id="{EB724C41-38A5-4052-A34E-A06AC1879AEB}"/>
-                </a:ext>
-              </a:extLst>
-            </p:cNvPr>
-            <p:cNvSpPr txBox="1"/>
-            <p:nvPr/>
-          </p:nvSpPr>
-          <p:spPr>
-            <a:xfrm>
-              <a:off x="4983327" y="1147628"/>
-              <a:ext cx="917239" cy="400110"/>
-            </a:xfrm>
-            <a:prstGeom prst="rect">
-              <a:avLst/>
-            </a:prstGeom>
-            <a:noFill/>
-          </p:spPr>
-          <p:txBody>
-            <a:bodyPr wrap="none" rtlCol="0">
-              <a:spAutoFit/>
-            </a:bodyPr>
-            <a:lstStyle/>
-            <a:p>
-              <a:r>
-                <a:rPr lang="en-US" sz="1000" i="1" dirty="0">
-                  <a:latin typeface="Arial" panose="020B0604020202020204" pitchFamily="34" charset="0"/>
-                  <a:cs typeface="Arial" panose="020B0604020202020204" pitchFamily="34" charset="0"/>
-                </a:rPr>
-                <a:t>R</a:t>
-              </a:r>
-              <a:r>
-                <a:rPr lang="en-US" sz="1000" i="1" baseline="30000" dirty="0">
-                  <a:latin typeface="Arial" panose="020B0604020202020204" pitchFamily="34" charset="0"/>
-                  <a:cs typeface="Arial" panose="020B0604020202020204" pitchFamily="34" charset="0"/>
-                </a:rPr>
-                <a:t>2</a:t>
-              </a:r>
-              <a:r>
-                <a:rPr lang="en-US" sz="1000" dirty="0">
-                  <a:latin typeface="Arial" panose="020B0604020202020204" pitchFamily="34" charset="0"/>
-                  <a:cs typeface="Arial" panose="020B0604020202020204" pitchFamily="34" charset="0"/>
-                </a:rPr>
-                <a:t> = 0.96</a:t>
-              </a:r>
-            </a:p>
-            <a:p>
-              <a:r>
-                <a:rPr lang="en-US" sz="1000" i="1" dirty="0">
-                  <a:latin typeface="Arial" panose="020B0604020202020204" pitchFamily="34" charset="0"/>
-                  <a:cs typeface="Arial" panose="020B0604020202020204" pitchFamily="34" charset="0"/>
-                </a:rPr>
-                <a:t>P</a:t>
-              </a:r>
-              <a:r>
-                <a:rPr lang="en-US" sz="1000" dirty="0">
-                  <a:latin typeface="Arial" panose="020B0604020202020204" pitchFamily="34" charset="0"/>
-                  <a:cs typeface="Arial" panose="020B0604020202020204" pitchFamily="34" charset="0"/>
-                </a:rPr>
-                <a:t> = 6.35e-07</a:t>
-              </a:r>
-            </a:p>
-          </p:txBody>
-        </p:sp>
-        <p:sp>
-          <p:nvSpPr>
-            <p:cNvPr id="7" name="TextBox 6">
-              <a:extLst>
-                <a:ext uri="{FF2B5EF4-FFF2-40B4-BE49-F238E27FC236}">
-                  <a16:creationId xmlns:a16="http://schemas.microsoft.com/office/drawing/2014/main" id="{BCD39461-9E8A-4703-E7DB-A3F4A7CC4A55}"/>
-                </a:ext>
-              </a:extLst>
-            </p:cNvPr>
-            <p:cNvSpPr txBox="1"/>
-            <p:nvPr/>
-          </p:nvSpPr>
-          <p:spPr>
-            <a:xfrm>
-              <a:off x="7700766" y="1147628"/>
-              <a:ext cx="917239" cy="400110"/>
-            </a:xfrm>
-            <a:prstGeom prst="rect">
-              <a:avLst/>
-            </a:prstGeom>
-            <a:noFill/>
-          </p:spPr>
-          <p:txBody>
-            <a:bodyPr wrap="none" rtlCol="0">
-              <a:spAutoFit/>
-            </a:bodyPr>
-            <a:lstStyle/>
-            <a:p>
-              <a:r>
-                <a:rPr lang="en-US" sz="1000" i="1" dirty="0">
-                  <a:latin typeface="Arial" panose="020B0604020202020204" pitchFamily="34" charset="0"/>
-                  <a:cs typeface="Arial" panose="020B0604020202020204" pitchFamily="34" charset="0"/>
-                </a:rPr>
-                <a:t>R</a:t>
-              </a:r>
-              <a:r>
-                <a:rPr lang="en-US" sz="1000" i="1" baseline="30000" dirty="0">
-                  <a:latin typeface="Arial" panose="020B0604020202020204" pitchFamily="34" charset="0"/>
-                  <a:cs typeface="Arial" panose="020B0604020202020204" pitchFamily="34" charset="0"/>
-                </a:rPr>
-                <a:t>2</a:t>
-              </a:r>
-              <a:r>
-                <a:rPr lang="en-US" sz="1000" dirty="0">
-                  <a:latin typeface="Arial" panose="020B0604020202020204" pitchFamily="34" charset="0"/>
-                  <a:cs typeface="Arial" panose="020B0604020202020204" pitchFamily="34" charset="0"/>
-                </a:rPr>
-                <a:t> = 0.99</a:t>
-              </a:r>
-            </a:p>
-            <a:p>
-              <a:r>
-                <a:rPr lang="en-US" sz="1000" i="1" dirty="0">
-                  <a:latin typeface="Arial" panose="020B0604020202020204" pitchFamily="34" charset="0"/>
-                  <a:cs typeface="Arial" panose="020B0604020202020204" pitchFamily="34" charset="0"/>
-                </a:rPr>
-                <a:t>P</a:t>
-              </a:r>
-              <a:r>
-                <a:rPr lang="en-US" sz="1000" dirty="0">
-                  <a:latin typeface="Arial" panose="020B0604020202020204" pitchFamily="34" charset="0"/>
-                  <a:cs typeface="Arial" panose="020B0604020202020204" pitchFamily="34" charset="0"/>
-                </a:rPr>
-                <a:t> = 3.58e-09</a:t>
-              </a:r>
-            </a:p>
-          </p:txBody>
-        </p:sp>
-        <p:sp>
-          <p:nvSpPr>
-            <p:cNvPr id="8" name="TextBox 7">
-              <a:extLst>
-                <a:ext uri="{FF2B5EF4-FFF2-40B4-BE49-F238E27FC236}">
-                  <a16:creationId xmlns:a16="http://schemas.microsoft.com/office/drawing/2014/main" id="{E6C83DCD-A0CD-0128-CE54-C62E7687D71A}"/>
-                </a:ext>
-              </a:extLst>
-            </p:cNvPr>
-            <p:cNvSpPr txBox="1"/>
-            <p:nvPr/>
-          </p:nvSpPr>
-          <p:spPr>
-            <a:xfrm>
-              <a:off x="2733955" y="1651420"/>
-              <a:ext cx="447558" cy="246221"/>
-            </a:xfrm>
-            <a:prstGeom prst="rect">
-              <a:avLst/>
-            </a:prstGeom>
-            <a:noFill/>
-          </p:spPr>
-          <p:txBody>
-            <a:bodyPr wrap="none" rtlCol="0">
-              <a:spAutoFit/>
-            </a:bodyPr>
-            <a:lstStyle/>
-            <a:p>
-              <a:r>
-                <a:rPr lang="en-US" sz="1000" i="1" dirty="0">
-                  <a:solidFill>
-                    <a:srgbClr val="FF0000"/>
-                  </a:solidFill>
-                  <a:latin typeface="Arial" panose="020B0604020202020204" pitchFamily="34" charset="0"/>
-                  <a:cs typeface="Arial" panose="020B0604020202020204" pitchFamily="34" charset="0"/>
-                </a:rPr>
-                <a:t>APC</a:t>
-              </a:r>
-            </a:p>
-          </p:txBody>
-        </p:sp>
-        <p:sp>
-          <p:nvSpPr>
-            <p:cNvPr id="9" name="TextBox 8">
-              <a:extLst>
-                <a:ext uri="{FF2B5EF4-FFF2-40B4-BE49-F238E27FC236}">
-                  <a16:creationId xmlns:a16="http://schemas.microsoft.com/office/drawing/2014/main" id="{D1EC226C-978F-BB65-39C8-8C523E10A18E}"/>
-                </a:ext>
-              </a:extLst>
-            </p:cNvPr>
-            <p:cNvSpPr txBox="1"/>
-            <p:nvPr/>
-          </p:nvSpPr>
-          <p:spPr>
-            <a:xfrm>
-              <a:off x="2763717" y="2195345"/>
-              <a:ext cx="489236" cy="246221"/>
-            </a:xfrm>
-            <a:prstGeom prst="rect">
-              <a:avLst/>
-            </a:prstGeom>
-            <a:noFill/>
-          </p:spPr>
-          <p:txBody>
-            <a:bodyPr wrap="none" rtlCol="0">
-              <a:spAutoFit/>
-            </a:bodyPr>
-            <a:lstStyle/>
-            <a:p>
-              <a:r>
-                <a:rPr lang="en-US" sz="1000" i="1" dirty="0">
-                  <a:solidFill>
-                    <a:srgbClr val="FF0000"/>
-                  </a:solidFill>
-                  <a:latin typeface="Arial" panose="020B0604020202020204" pitchFamily="34" charset="0"/>
-                  <a:cs typeface="Arial" panose="020B0604020202020204" pitchFamily="34" charset="0"/>
-                </a:rPr>
-                <a:t>TP53</a:t>
-              </a:r>
-            </a:p>
-          </p:txBody>
-        </p:sp>
-        <p:sp>
-          <p:nvSpPr>
-            <p:cNvPr id="10" name="TextBox 9">
-              <a:extLst>
-                <a:ext uri="{FF2B5EF4-FFF2-40B4-BE49-F238E27FC236}">
-                  <a16:creationId xmlns:a16="http://schemas.microsoft.com/office/drawing/2014/main" id="{56BCB864-569C-6605-A424-A1205532C8D3}"/>
-                </a:ext>
-              </a:extLst>
-            </p:cNvPr>
-            <p:cNvSpPr txBox="1"/>
-            <p:nvPr/>
-          </p:nvSpPr>
-          <p:spPr>
-            <a:xfrm>
-              <a:off x="2069435" y="1949124"/>
-              <a:ext cx="532518" cy="246221"/>
-            </a:xfrm>
-            <a:prstGeom prst="rect">
-              <a:avLst/>
-            </a:prstGeom>
-            <a:noFill/>
-          </p:spPr>
-          <p:txBody>
-            <a:bodyPr wrap="none" rtlCol="0">
-              <a:spAutoFit/>
-            </a:bodyPr>
-            <a:lstStyle/>
-            <a:p>
-              <a:r>
-                <a:rPr lang="en-US" sz="1000" i="1" dirty="0">
-                  <a:solidFill>
-                    <a:srgbClr val="FF0000"/>
-                  </a:solidFill>
-                  <a:latin typeface="Arial" panose="020B0604020202020204" pitchFamily="34" charset="0"/>
-                  <a:cs typeface="Arial" panose="020B0604020202020204" pitchFamily="34" charset="0"/>
-                </a:rPr>
-                <a:t>KRAS</a:t>
-              </a:r>
-            </a:p>
-          </p:txBody>
-        </p:sp>
-        <p:sp>
-          <p:nvSpPr>
-            <p:cNvPr id="11" name="TextBox 10">
-              <a:extLst>
-                <a:ext uri="{FF2B5EF4-FFF2-40B4-BE49-F238E27FC236}">
-                  <a16:creationId xmlns:a16="http://schemas.microsoft.com/office/drawing/2014/main" id="{D8A1191D-F5E3-00BE-0C80-036CC2B78137}"/>
-                </a:ext>
-              </a:extLst>
-            </p:cNvPr>
-            <p:cNvSpPr txBox="1"/>
-            <p:nvPr/>
-          </p:nvSpPr>
-          <p:spPr>
-            <a:xfrm>
-              <a:off x="1198969" y="2500038"/>
-              <a:ext cx="625492" cy="246221"/>
-            </a:xfrm>
-            <a:prstGeom prst="rect">
-              <a:avLst/>
-            </a:prstGeom>
-            <a:noFill/>
-          </p:spPr>
-          <p:txBody>
-            <a:bodyPr wrap="none" rtlCol="0">
-              <a:spAutoFit/>
-            </a:bodyPr>
-            <a:lstStyle/>
-            <a:p>
-              <a:r>
-                <a:rPr lang="en-US" sz="1000" i="1" dirty="0">
-                  <a:solidFill>
-                    <a:srgbClr val="FF0000"/>
-                  </a:solidFill>
-                  <a:latin typeface="Arial" panose="020B0604020202020204" pitchFamily="34" charset="0"/>
-                  <a:cs typeface="Arial" panose="020B0604020202020204" pitchFamily="34" charset="0"/>
-                </a:rPr>
-                <a:t>SMAD4</a:t>
-              </a:r>
-            </a:p>
-          </p:txBody>
-        </p:sp>
-        <p:sp>
-          <p:nvSpPr>
-            <p:cNvPr id="12" name="TextBox 11">
-              <a:extLst>
-                <a:ext uri="{FF2B5EF4-FFF2-40B4-BE49-F238E27FC236}">
-                  <a16:creationId xmlns:a16="http://schemas.microsoft.com/office/drawing/2014/main" id="{90751783-9F9F-B24A-7AF1-FBDAA9C1F1DF}"/>
-                </a:ext>
-              </a:extLst>
-            </p:cNvPr>
-            <p:cNvSpPr txBox="1"/>
-            <p:nvPr/>
-          </p:nvSpPr>
-          <p:spPr>
-            <a:xfrm>
-              <a:off x="5466000" y="1865270"/>
-              <a:ext cx="447558" cy="246221"/>
-            </a:xfrm>
-            <a:prstGeom prst="rect">
-              <a:avLst/>
-            </a:prstGeom>
-            <a:noFill/>
-          </p:spPr>
-          <p:txBody>
-            <a:bodyPr wrap="none" rtlCol="0">
-              <a:spAutoFit/>
-            </a:bodyPr>
-            <a:lstStyle/>
-            <a:p>
-              <a:r>
-                <a:rPr lang="en-US" sz="1000" i="1" dirty="0">
-                  <a:solidFill>
-                    <a:srgbClr val="FF0000"/>
-                  </a:solidFill>
-                  <a:latin typeface="Arial" panose="020B0604020202020204" pitchFamily="34" charset="0"/>
-                  <a:cs typeface="Arial" panose="020B0604020202020204" pitchFamily="34" charset="0"/>
-                </a:rPr>
-                <a:t>APC</a:t>
-              </a:r>
-            </a:p>
-          </p:txBody>
-        </p:sp>
-        <p:sp>
-          <p:nvSpPr>
-            <p:cNvPr id="13" name="TextBox 12">
-              <a:extLst>
-                <a:ext uri="{FF2B5EF4-FFF2-40B4-BE49-F238E27FC236}">
-                  <a16:creationId xmlns:a16="http://schemas.microsoft.com/office/drawing/2014/main" id="{6F393555-8BB9-A4E9-F91E-1107615493D0}"/>
-                </a:ext>
-              </a:extLst>
-            </p:cNvPr>
-            <p:cNvSpPr txBox="1"/>
-            <p:nvPr/>
-          </p:nvSpPr>
-          <p:spPr>
-            <a:xfrm>
-              <a:off x="5379619" y="2268219"/>
-              <a:ext cx="489236" cy="246221"/>
-            </a:xfrm>
-            <a:prstGeom prst="rect">
-              <a:avLst/>
-            </a:prstGeom>
-            <a:noFill/>
-          </p:spPr>
-          <p:txBody>
-            <a:bodyPr wrap="none" rtlCol="0">
-              <a:spAutoFit/>
-            </a:bodyPr>
-            <a:lstStyle/>
-            <a:p>
-              <a:r>
-                <a:rPr lang="en-US" sz="1000" i="1" dirty="0">
-                  <a:solidFill>
-                    <a:srgbClr val="FF0000"/>
-                  </a:solidFill>
-                  <a:latin typeface="Arial" panose="020B0604020202020204" pitchFamily="34" charset="0"/>
-                  <a:cs typeface="Arial" panose="020B0604020202020204" pitchFamily="34" charset="0"/>
-                </a:rPr>
-                <a:t>TP53</a:t>
-              </a:r>
-            </a:p>
-          </p:txBody>
-        </p:sp>
-        <p:sp>
-          <p:nvSpPr>
-            <p:cNvPr id="14" name="TextBox 13">
-              <a:extLst>
-                <a:ext uri="{FF2B5EF4-FFF2-40B4-BE49-F238E27FC236}">
-                  <a16:creationId xmlns:a16="http://schemas.microsoft.com/office/drawing/2014/main" id="{340C5266-DAE4-B86C-87B8-0CD30D51B9A9}"/>
-                </a:ext>
-              </a:extLst>
-            </p:cNvPr>
-            <p:cNvSpPr txBox="1"/>
-            <p:nvPr/>
-          </p:nvSpPr>
-          <p:spPr>
-            <a:xfrm>
-              <a:off x="4816665" y="2154090"/>
-              <a:ext cx="532518" cy="246221"/>
-            </a:xfrm>
-            <a:prstGeom prst="rect">
-              <a:avLst/>
-            </a:prstGeom>
-            <a:noFill/>
-          </p:spPr>
-          <p:txBody>
-            <a:bodyPr wrap="none" rtlCol="0">
-              <a:spAutoFit/>
-            </a:bodyPr>
-            <a:lstStyle/>
-            <a:p>
-              <a:r>
-                <a:rPr lang="en-US" sz="1000" i="1" dirty="0">
-                  <a:solidFill>
-                    <a:srgbClr val="FF0000"/>
-                  </a:solidFill>
-                  <a:latin typeface="Arial" panose="020B0604020202020204" pitchFamily="34" charset="0"/>
-                  <a:cs typeface="Arial" panose="020B0604020202020204" pitchFamily="34" charset="0"/>
-                </a:rPr>
-                <a:t>KRAS</a:t>
-              </a:r>
-            </a:p>
-          </p:txBody>
-        </p:sp>
-        <p:sp>
-          <p:nvSpPr>
-            <p:cNvPr id="15" name="TextBox 14">
-              <a:extLst>
-                <a:ext uri="{FF2B5EF4-FFF2-40B4-BE49-F238E27FC236}">
-                  <a16:creationId xmlns:a16="http://schemas.microsoft.com/office/drawing/2014/main" id="{54FE9862-BE75-34F5-D996-6431313C7BCF}"/>
-                </a:ext>
-              </a:extLst>
-            </p:cNvPr>
-            <p:cNvSpPr txBox="1"/>
-            <p:nvPr/>
-          </p:nvSpPr>
-          <p:spPr>
-            <a:xfrm>
-              <a:off x="4191173" y="2763549"/>
-              <a:ext cx="625492" cy="246221"/>
-            </a:xfrm>
-            <a:prstGeom prst="rect">
-              <a:avLst/>
-            </a:prstGeom>
-            <a:noFill/>
-          </p:spPr>
-          <p:txBody>
-            <a:bodyPr wrap="none" rtlCol="0">
-              <a:spAutoFit/>
-            </a:bodyPr>
-            <a:lstStyle/>
-            <a:p>
-              <a:r>
-                <a:rPr lang="en-US" sz="1000" i="1" dirty="0">
-                  <a:solidFill>
-                    <a:srgbClr val="FF0000"/>
-                  </a:solidFill>
-                  <a:latin typeface="Arial" panose="020B0604020202020204" pitchFamily="34" charset="0"/>
-                  <a:cs typeface="Arial" panose="020B0604020202020204" pitchFamily="34" charset="0"/>
-                </a:rPr>
-                <a:t>SMAD4</a:t>
-              </a:r>
-            </a:p>
-          </p:txBody>
-        </p:sp>
-        <p:sp>
-          <p:nvSpPr>
-            <p:cNvPr id="16" name="TextBox 15">
-              <a:extLst>
-                <a:ext uri="{FF2B5EF4-FFF2-40B4-BE49-F238E27FC236}">
-                  <a16:creationId xmlns:a16="http://schemas.microsoft.com/office/drawing/2014/main" id="{79B8117A-43CD-43DD-496E-3794143A28EE}"/>
-                </a:ext>
-              </a:extLst>
-            </p:cNvPr>
-            <p:cNvSpPr txBox="1"/>
-            <p:nvPr/>
-          </p:nvSpPr>
-          <p:spPr>
-            <a:xfrm>
-              <a:off x="7745874" y="1949123"/>
-              <a:ext cx="447558" cy="246221"/>
-            </a:xfrm>
-            <a:prstGeom prst="rect">
-              <a:avLst/>
-            </a:prstGeom>
-            <a:noFill/>
-          </p:spPr>
-          <p:txBody>
-            <a:bodyPr wrap="none" rtlCol="0">
-              <a:spAutoFit/>
-            </a:bodyPr>
-            <a:lstStyle/>
-            <a:p>
-              <a:r>
-                <a:rPr lang="en-US" sz="1000" i="1" dirty="0">
-                  <a:solidFill>
-                    <a:srgbClr val="FF0000"/>
-                  </a:solidFill>
-                  <a:latin typeface="Arial" panose="020B0604020202020204" pitchFamily="34" charset="0"/>
-                  <a:cs typeface="Arial" panose="020B0604020202020204" pitchFamily="34" charset="0"/>
-                </a:rPr>
-                <a:t>APC</a:t>
-              </a:r>
-            </a:p>
-          </p:txBody>
-        </p:sp>
-        <p:sp>
-          <p:nvSpPr>
-            <p:cNvPr id="17" name="TextBox 16">
-              <a:extLst>
-                <a:ext uri="{FF2B5EF4-FFF2-40B4-BE49-F238E27FC236}">
-                  <a16:creationId xmlns:a16="http://schemas.microsoft.com/office/drawing/2014/main" id="{AC5120A0-2960-D70C-0BFC-1DE8CD03EC7C}"/>
-                </a:ext>
-              </a:extLst>
-            </p:cNvPr>
-            <p:cNvSpPr txBox="1"/>
-            <p:nvPr/>
-          </p:nvSpPr>
-          <p:spPr>
-            <a:xfrm>
-              <a:off x="7451852" y="2277200"/>
-              <a:ext cx="532518" cy="246221"/>
-            </a:xfrm>
-            <a:prstGeom prst="rect">
-              <a:avLst/>
-            </a:prstGeom>
-            <a:noFill/>
-          </p:spPr>
-          <p:txBody>
-            <a:bodyPr wrap="none" rtlCol="0">
-              <a:spAutoFit/>
-            </a:bodyPr>
-            <a:lstStyle/>
-            <a:p>
-              <a:r>
-                <a:rPr lang="en-US" sz="1000" i="1" dirty="0">
-                  <a:solidFill>
-                    <a:srgbClr val="FF0000"/>
-                  </a:solidFill>
-                  <a:latin typeface="Arial" panose="020B0604020202020204" pitchFamily="34" charset="0"/>
-                  <a:cs typeface="Arial" panose="020B0604020202020204" pitchFamily="34" charset="0"/>
-                </a:rPr>
-                <a:t>KRAS</a:t>
-              </a:r>
-            </a:p>
-          </p:txBody>
-        </p:sp>
-        <p:sp>
-          <p:nvSpPr>
-            <p:cNvPr id="18" name="TextBox 17">
-              <a:extLst>
-                <a:ext uri="{FF2B5EF4-FFF2-40B4-BE49-F238E27FC236}">
-                  <a16:creationId xmlns:a16="http://schemas.microsoft.com/office/drawing/2014/main" id="{979C78A1-EF54-85E8-F23C-C914CEE3EC5C}"/>
-                </a:ext>
-              </a:extLst>
-            </p:cNvPr>
-            <p:cNvSpPr txBox="1"/>
-            <p:nvPr/>
-          </p:nvSpPr>
-          <p:spPr>
-            <a:xfrm>
-              <a:off x="7005674" y="2093605"/>
-              <a:ext cx="489236" cy="246221"/>
-            </a:xfrm>
-            <a:prstGeom prst="rect">
-              <a:avLst/>
-            </a:prstGeom>
-            <a:noFill/>
-          </p:spPr>
-          <p:txBody>
-            <a:bodyPr wrap="none" rtlCol="0">
-              <a:spAutoFit/>
-            </a:bodyPr>
-            <a:lstStyle/>
-            <a:p>
-              <a:r>
-                <a:rPr lang="en-US" sz="1000" i="1" dirty="0">
-                  <a:solidFill>
-                    <a:srgbClr val="FF0000"/>
-                  </a:solidFill>
-                  <a:latin typeface="Arial" panose="020B0604020202020204" pitchFamily="34" charset="0"/>
-                  <a:cs typeface="Arial" panose="020B0604020202020204" pitchFamily="34" charset="0"/>
-                </a:rPr>
-                <a:t>TP53</a:t>
-              </a:r>
-            </a:p>
-          </p:txBody>
-        </p:sp>
-        <p:sp>
-          <p:nvSpPr>
-            <p:cNvPr id="19" name="TextBox 18">
-              <a:extLst>
-                <a:ext uri="{FF2B5EF4-FFF2-40B4-BE49-F238E27FC236}">
-                  <a16:creationId xmlns:a16="http://schemas.microsoft.com/office/drawing/2014/main" id="{ABF39669-941E-369B-92B2-0910A7B2635A}"/>
-                </a:ext>
-              </a:extLst>
-            </p:cNvPr>
-            <p:cNvSpPr txBox="1"/>
-            <p:nvPr/>
-          </p:nvSpPr>
-          <p:spPr>
-            <a:xfrm>
-              <a:off x="6838660" y="2732295"/>
-              <a:ext cx="625492" cy="246221"/>
-            </a:xfrm>
-            <a:prstGeom prst="rect">
-              <a:avLst/>
-            </a:prstGeom>
-            <a:noFill/>
-          </p:spPr>
-          <p:txBody>
-            <a:bodyPr wrap="none" rtlCol="0">
-              <a:spAutoFit/>
-            </a:bodyPr>
-            <a:lstStyle/>
-            <a:p>
-              <a:r>
-                <a:rPr lang="en-US" sz="1000" i="1" dirty="0">
-                  <a:solidFill>
-                    <a:srgbClr val="FF0000"/>
-                  </a:solidFill>
-                  <a:latin typeface="Arial" panose="020B0604020202020204" pitchFamily="34" charset="0"/>
-                  <a:cs typeface="Arial" panose="020B0604020202020204" pitchFamily="34" charset="0"/>
-                </a:rPr>
-                <a:t>SMAD4</a:t>
-              </a:r>
-            </a:p>
-          </p:txBody>
-        </p:sp>
-        <p:sp>
-          <p:nvSpPr>
-            <p:cNvPr id="20" name="TextBox 19">
-              <a:extLst>
-                <a:ext uri="{FF2B5EF4-FFF2-40B4-BE49-F238E27FC236}">
-                  <a16:creationId xmlns:a16="http://schemas.microsoft.com/office/drawing/2014/main" id="{9E33B924-EDEF-82D3-3A5A-9E27CAC4EAD1}"/>
-                </a:ext>
-              </a:extLst>
-            </p:cNvPr>
-            <p:cNvSpPr txBox="1"/>
-            <p:nvPr/>
-          </p:nvSpPr>
-          <p:spPr>
-            <a:xfrm>
-              <a:off x="2300166" y="3707978"/>
-              <a:ext cx="917239" cy="400110"/>
-            </a:xfrm>
-            <a:prstGeom prst="rect">
-              <a:avLst/>
-            </a:prstGeom>
-            <a:noFill/>
-          </p:spPr>
-          <p:txBody>
-            <a:bodyPr wrap="none" rtlCol="0">
-              <a:spAutoFit/>
-            </a:bodyPr>
-            <a:lstStyle/>
-            <a:p>
-              <a:r>
-                <a:rPr lang="en-US" sz="1000" i="1" dirty="0">
-                  <a:latin typeface="Arial" panose="020B0604020202020204" pitchFamily="34" charset="0"/>
-                  <a:cs typeface="Arial" panose="020B0604020202020204" pitchFamily="34" charset="0"/>
-                </a:rPr>
-                <a:t>R</a:t>
-              </a:r>
-              <a:r>
-                <a:rPr lang="en-US" sz="1000" i="1" baseline="30000" dirty="0">
-                  <a:latin typeface="Arial" panose="020B0604020202020204" pitchFamily="34" charset="0"/>
-                  <a:cs typeface="Arial" panose="020B0604020202020204" pitchFamily="34" charset="0"/>
-                </a:rPr>
-                <a:t>2</a:t>
-              </a:r>
-              <a:r>
-                <a:rPr lang="en-US" sz="1000" dirty="0">
-                  <a:latin typeface="Arial" panose="020B0604020202020204" pitchFamily="34" charset="0"/>
-                  <a:cs typeface="Arial" panose="020B0604020202020204" pitchFamily="34" charset="0"/>
-                </a:rPr>
-                <a:t> = 0.</a:t>
-              </a:r>
-              <a:r>
-                <a:rPr lang="en-US" altLang="ko-KR" sz="1000" dirty="0">
-                  <a:latin typeface="Arial" panose="020B0604020202020204" pitchFamily="34" charset="0"/>
-                  <a:cs typeface="Arial" panose="020B0604020202020204" pitchFamily="34" charset="0"/>
-                </a:rPr>
-                <a:t>21</a:t>
-              </a:r>
-              <a:endParaRPr lang="en-US" sz="1000" dirty="0">
-                <a:latin typeface="Arial" panose="020B0604020202020204" pitchFamily="34" charset="0"/>
-                <a:cs typeface="Arial" panose="020B0604020202020204" pitchFamily="34" charset="0"/>
-              </a:endParaRPr>
-            </a:p>
-            <a:p>
-              <a:r>
-                <a:rPr lang="en-US" sz="1000" i="1" dirty="0">
-                  <a:latin typeface="Arial" panose="020B0604020202020204" pitchFamily="34" charset="0"/>
-                  <a:cs typeface="Arial" panose="020B0604020202020204" pitchFamily="34" charset="0"/>
-                </a:rPr>
-                <a:t>P</a:t>
-              </a:r>
-              <a:r>
-                <a:rPr lang="en-US" sz="1000" dirty="0">
-                  <a:latin typeface="Arial" panose="020B0604020202020204" pitchFamily="34" charset="0"/>
-                  <a:cs typeface="Arial" panose="020B0604020202020204" pitchFamily="34" charset="0"/>
-                </a:rPr>
-                <a:t> = </a:t>
-              </a:r>
-              <a:r>
-                <a:rPr lang="en-US" altLang="ko-KR" sz="1000" dirty="0">
-                  <a:latin typeface="Arial" panose="020B0604020202020204" pitchFamily="34" charset="0"/>
-                  <a:cs typeface="Arial" panose="020B0604020202020204" pitchFamily="34" charset="0"/>
-                </a:rPr>
-                <a:t>1.38</a:t>
-              </a:r>
-              <a:r>
-                <a:rPr lang="en-US" sz="1000" dirty="0">
-                  <a:latin typeface="Arial" panose="020B0604020202020204" pitchFamily="34" charset="0"/>
-                  <a:cs typeface="Arial" panose="020B0604020202020204" pitchFamily="34" charset="0"/>
-                </a:rPr>
-                <a:t>e-05</a:t>
-              </a:r>
-            </a:p>
-          </p:txBody>
-        </p:sp>
-        <p:sp>
-          <p:nvSpPr>
-            <p:cNvPr id="21" name="TextBox 20">
-              <a:extLst>
-                <a:ext uri="{FF2B5EF4-FFF2-40B4-BE49-F238E27FC236}">
-                  <a16:creationId xmlns:a16="http://schemas.microsoft.com/office/drawing/2014/main" id="{240D480D-6D19-2023-2C94-753000BB20C7}"/>
-                </a:ext>
-              </a:extLst>
-            </p:cNvPr>
-            <p:cNvSpPr txBox="1"/>
-            <p:nvPr/>
-          </p:nvSpPr>
-          <p:spPr>
-            <a:xfrm>
-              <a:off x="4980236" y="3707978"/>
-              <a:ext cx="917239" cy="400110"/>
-            </a:xfrm>
-            <a:prstGeom prst="rect">
-              <a:avLst/>
-            </a:prstGeom>
-            <a:noFill/>
-          </p:spPr>
-          <p:txBody>
-            <a:bodyPr wrap="none" rtlCol="0">
-              <a:spAutoFit/>
-            </a:bodyPr>
-            <a:lstStyle/>
-            <a:p>
-              <a:r>
-                <a:rPr lang="en-US" sz="1000" i="1" dirty="0">
-                  <a:latin typeface="Arial" panose="020B0604020202020204" pitchFamily="34" charset="0"/>
-                  <a:cs typeface="Arial" panose="020B0604020202020204" pitchFamily="34" charset="0"/>
-                </a:rPr>
-                <a:t>R</a:t>
-              </a:r>
-              <a:r>
-                <a:rPr lang="en-US" sz="1000" i="1" baseline="30000" dirty="0">
-                  <a:latin typeface="Arial" panose="020B0604020202020204" pitchFamily="34" charset="0"/>
-                  <a:cs typeface="Arial" panose="020B0604020202020204" pitchFamily="34" charset="0"/>
-                </a:rPr>
-                <a:t>2</a:t>
-              </a:r>
-              <a:r>
-                <a:rPr lang="en-US" sz="1000" dirty="0">
-                  <a:latin typeface="Arial" panose="020B0604020202020204" pitchFamily="34" charset="0"/>
-                  <a:cs typeface="Arial" panose="020B0604020202020204" pitchFamily="34" charset="0"/>
-                </a:rPr>
-                <a:t> = 0.1</a:t>
-              </a:r>
-              <a:r>
-                <a:rPr lang="en-US" altLang="ko-KR" sz="1000" dirty="0">
-                  <a:latin typeface="Arial" panose="020B0604020202020204" pitchFamily="34" charset="0"/>
-                  <a:cs typeface="Arial" panose="020B0604020202020204" pitchFamily="34" charset="0"/>
-                </a:rPr>
-                <a:t>4</a:t>
-              </a:r>
-              <a:endParaRPr lang="en-US" sz="1000" dirty="0">
-                <a:latin typeface="Arial" panose="020B0604020202020204" pitchFamily="34" charset="0"/>
-                <a:cs typeface="Arial" panose="020B0604020202020204" pitchFamily="34" charset="0"/>
-              </a:endParaRPr>
-            </a:p>
-            <a:p>
-              <a:r>
-                <a:rPr lang="en-US" sz="1000" i="1" dirty="0">
-                  <a:latin typeface="Arial" panose="020B0604020202020204" pitchFamily="34" charset="0"/>
-                  <a:cs typeface="Arial" panose="020B0604020202020204" pitchFamily="34" charset="0"/>
-                </a:rPr>
-                <a:t>P</a:t>
-              </a:r>
-              <a:r>
-                <a:rPr lang="en-US" sz="1000" dirty="0">
-                  <a:latin typeface="Arial" panose="020B0604020202020204" pitchFamily="34" charset="0"/>
-                  <a:cs typeface="Arial" panose="020B0604020202020204" pitchFamily="34" charset="0"/>
-                </a:rPr>
-                <a:t> = </a:t>
-              </a:r>
-              <a:r>
-                <a:rPr lang="en-US" altLang="ko-KR" sz="1000" dirty="0">
-                  <a:latin typeface="Arial" panose="020B0604020202020204" pitchFamily="34" charset="0"/>
-                  <a:cs typeface="Arial" panose="020B0604020202020204" pitchFamily="34" charset="0"/>
-                </a:rPr>
-                <a:t>3.96</a:t>
-              </a:r>
-              <a:r>
-                <a:rPr lang="en-US" sz="1000" dirty="0">
-                  <a:latin typeface="Arial" panose="020B0604020202020204" pitchFamily="34" charset="0"/>
-                  <a:cs typeface="Arial" panose="020B0604020202020204" pitchFamily="34" charset="0"/>
-                </a:rPr>
-                <a:t>e-04</a:t>
-              </a:r>
-            </a:p>
-          </p:txBody>
-        </p:sp>
-        <p:sp>
-          <p:nvSpPr>
-            <p:cNvPr id="22" name="TextBox 21">
-              <a:extLst>
-                <a:ext uri="{FF2B5EF4-FFF2-40B4-BE49-F238E27FC236}">
-                  <a16:creationId xmlns:a16="http://schemas.microsoft.com/office/drawing/2014/main" id="{12FF41D4-1324-3153-7A45-984E5F7403B7}"/>
-                </a:ext>
-              </a:extLst>
-            </p:cNvPr>
-            <p:cNvSpPr txBox="1"/>
-            <p:nvPr/>
-          </p:nvSpPr>
-          <p:spPr>
-            <a:xfrm>
-              <a:off x="7700766" y="3707978"/>
-              <a:ext cx="917239" cy="400110"/>
-            </a:xfrm>
-            <a:prstGeom prst="rect">
-              <a:avLst/>
-            </a:prstGeom>
-            <a:noFill/>
-          </p:spPr>
-          <p:txBody>
-            <a:bodyPr wrap="none" rtlCol="0">
-              <a:spAutoFit/>
-            </a:bodyPr>
-            <a:lstStyle/>
-            <a:p>
-              <a:r>
-                <a:rPr lang="en-US" sz="1000" i="1" dirty="0">
-                  <a:latin typeface="Arial" panose="020B0604020202020204" pitchFamily="34" charset="0"/>
-                  <a:cs typeface="Arial" panose="020B0604020202020204" pitchFamily="34" charset="0"/>
-                </a:rPr>
-                <a:t>R</a:t>
-              </a:r>
-              <a:r>
-                <a:rPr lang="en-US" sz="1000" i="1" baseline="30000" dirty="0">
-                  <a:latin typeface="Arial" panose="020B0604020202020204" pitchFamily="34" charset="0"/>
-                  <a:cs typeface="Arial" panose="020B0604020202020204" pitchFamily="34" charset="0"/>
-                </a:rPr>
-                <a:t>2</a:t>
-              </a:r>
-              <a:r>
-                <a:rPr lang="en-US" sz="1000" dirty="0">
-                  <a:latin typeface="Arial" panose="020B0604020202020204" pitchFamily="34" charset="0"/>
-                  <a:cs typeface="Arial" panose="020B0604020202020204" pitchFamily="34" charset="0"/>
-                </a:rPr>
-                <a:t> = 0.43</a:t>
-              </a:r>
-            </a:p>
-            <a:p>
-              <a:r>
-                <a:rPr lang="en-US" sz="1000" i="1" dirty="0">
-                  <a:latin typeface="Arial" panose="020B0604020202020204" pitchFamily="34" charset="0"/>
-                  <a:cs typeface="Arial" panose="020B0604020202020204" pitchFamily="34" charset="0"/>
-                </a:rPr>
-                <a:t>P</a:t>
-              </a:r>
-              <a:r>
-                <a:rPr lang="en-US" sz="1000" dirty="0">
-                  <a:latin typeface="Arial" panose="020B0604020202020204" pitchFamily="34" charset="0"/>
-                  <a:cs typeface="Arial" panose="020B0604020202020204" pitchFamily="34" charset="0"/>
-                </a:rPr>
-                <a:t> = 1.10e-11</a:t>
-              </a:r>
-            </a:p>
-          </p:txBody>
-        </p:sp>
-      </p:grpSp>
+          </a:xfrm>
+          <a:prstGeom prst="rect">
+            <a:avLst/>
+          </a:prstGeom>
+        </p:spPr>
+      </p:pic>
+      <p:sp>
+        <p:nvSpPr>
+          <p:cNvPr id="23" name="TextBox 22">
+            <a:extLst>
+              <a:ext uri="{FF2B5EF4-FFF2-40B4-BE49-F238E27FC236}">
+                <a16:creationId xmlns:a16="http://schemas.microsoft.com/office/drawing/2014/main" id="{41E00A97-3042-13F9-FE52-0EB6BBAFB7E3}"/>
+              </a:ext>
+            </a:extLst>
+          </p:cNvPr>
+          <p:cNvSpPr txBox="1"/>
+          <p:nvPr/>
+        </p:nvSpPr>
+        <p:spPr>
+          <a:xfrm>
+            <a:off x="2300166" y="1147628"/>
+            <a:ext cx="917239" cy="400110"/>
+          </a:xfrm>
+          <a:prstGeom prst="rect">
+            <a:avLst/>
+          </a:prstGeom>
+          <a:noFill/>
+        </p:spPr>
+        <p:txBody>
+          <a:bodyPr wrap="none" rtlCol="0">
+            <a:spAutoFit/>
+          </a:bodyPr>
+          <a:lstStyle/>
+          <a:p>
+            <a:r>
+              <a:rPr lang="en-US" sz="1000" i="1" dirty="0">
+                <a:latin typeface="Arial" panose="020B0604020202020204" pitchFamily="34" charset="0"/>
+                <a:cs typeface="Arial" panose="020B0604020202020204" pitchFamily="34" charset="0"/>
+              </a:rPr>
+              <a:t>R</a:t>
+            </a:r>
+            <a:r>
+              <a:rPr lang="en-US" sz="1000" i="1" baseline="30000" dirty="0">
+                <a:latin typeface="Arial" panose="020B0604020202020204" pitchFamily="34" charset="0"/>
+                <a:cs typeface="Arial" panose="020B0604020202020204" pitchFamily="34" charset="0"/>
+              </a:rPr>
+              <a:t>2</a:t>
+            </a:r>
+            <a:r>
+              <a:rPr lang="en-US" sz="1000" dirty="0">
+                <a:latin typeface="Arial" panose="020B0604020202020204" pitchFamily="34" charset="0"/>
+                <a:cs typeface="Arial" panose="020B0604020202020204" pitchFamily="34" charset="0"/>
+              </a:rPr>
+              <a:t> = 0.96</a:t>
+            </a:r>
+          </a:p>
+          <a:p>
+            <a:r>
+              <a:rPr lang="en-US" sz="1000" i="1" dirty="0">
+                <a:latin typeface="Arial" panose="020B0604020202020204" pitchFamily="34" charset="0"/>
+                <a:cs typeface="Arial" panose="020B0604020202020204" pitchFamily="34" charset="0"/>
+              </a:rPr>
+              <a:t>P</a:t>
+            </a:r>
+            <a:r>
+              <a:rPr lang="en-US" sz="1000" dirty="0">
+                <a:latin typeface="Arial" panose="020B0604020202020204" pitchFamily="34" charset="0"/>
+                <a:cs typeface="Arial" panose="020B0604020202020204" pitchFamily="34" charset="0"/>
+              </a:rPr>
+              <a:t> = 7.84e-07</a:t>
+            </a:r>
+          </a:p>
+        </p:txBody>
+      </p:sp>
+      <p:sp>
+        <p:nvSpPr>
+          <p:cNvPr id="24" name="TextBox 23">
+            <a:extLst>
+              <a:ext uri="{FF2B5EF4-FFF2-40B4-BE49-F238E27FC236}">
+                <a16:creationId xmlns:a16="http://schemas.microsoft.com/office/drawing/2014/main" id="{E9C6D60E-9B6E-8557-C762-A2D8362C9059}"/>
+              </a:ext>
+            </a:extLst>
+          </p:cNvPr>
+          <p:cNvSpPr txBox="1"/>
+          <p:nvPr/>
+        </p:nvSpPr>
+        <p:spPr>
+          <a:xfrm>
+            <a:off x="4983327" y="1147628"/>
+            <a:ext cx="917239" cy="400110"/>
+          </a:xfrm>
+          <a:prstGeom prst="rect">
+            <a:avLst/>
+          </a:prstGeom>
+          <a:noFill/>
+        </p:spPr>
+        <p:txBody>
+          <a:bodyPr wrap="none" rtlCol="0">
+            <a:spAutoFit/>
+          </a:bodyPr>
+          <a:lstStyle/>
+          <a:p>
+            <a:r>
+              <a:rPr lang="en-US" sz="1000" i="1" dirty="0">
+                <a:latin typeface="Arial" panose="020B0604020202020204" pitchFamily="34" charset="0"/>
+                <a:cs typeface="Arial" panose="020B0604020202020204" pitchFamily="34" charset="0"/>
+              </a:rPr>
+              <a:t>R</a:t>
+            </a:r>
+            <a:r>
+              <a:rPr lang="en-US" sz="1000" i="1" baseline="30000" dirty="0">
+                <a:latin typeface="Arial" panose="020B0604020202020204" pitchFamily="34" charset="0"/>
+                <a:cs typeface="Arial" panose="020B0604020202020204" pitchFamily="34" charset="0"/>
+              </a:rPr>
+              <a:t>2</a:t>
+            </a:r>
+            <a:r>
+              <a:rPr lang="en-US" sz="1000" dirty="0">
+                <a:latin typeface="Arial" panose="020B0604020202020204" pitchFamily="34" charset="0"/>
+                <a:cs typeface="Arial" panose="020B0604020202020204" pitchFamily="34" charset="0"/>
+              </a:rPr>
+              <a:t> = 0.97</a:t>
+            </a:r>
+          </a:p>
+          <a:p>
+            <a:r>
+              <a:rPr lang="en-US" sz="1000" i="1" dirty="0">
+                <a:latin typeface="Arial" panose="020B0604020202020204" pitchFamily="34" charset="0"/>
+                <a:cs typeface="Arial" panose="020B0604020202020204" pitchFamily="34" charset="0"/>
+              </a:rPr>
+              <a:t>P</a:t>
+            </a:r>
+            <a:r>
+              <a:rPr lang="en-US" sz="1000" dirty="0">
+                <a:latin typeface="Arial" panose="020B0604020202020204" pitchFamily="34" charset="0"/>
+                <a:cs typeface="Arial" panose="020B0604020202020204" pitchFamily="34" charset="0"/>
+              </a:rPr>
+              <a:t> = 2.08e-07</a:t>
+            </a:r>
+          </a:p>
+        </p:txBody>
+      </p:sp>
+      <p:sp>
+        <p:nvSpPr>
+          <p:cNvPr id="25" name="TextBox 24">
+            <a:extLst>
+              <a:ext uri="{FF2B5EF4-FFF2-40B4-BE49-F238E27FC236}">
+                <a16:creationId xmlns:a16="http://schemas.microsoft.com/office/drawing/2014/main" id="{044738A2-6BEE-37CA-948C-7A5730CC7A95}"/>
+              </a:ext>
+            </a:extLst>
+          </p:cNvPr>
+          <p:cNvSpPr txBox="1"/>
+          <p:nvPr/>
+        </p:nvSpPr>
+        <p:spPr>
+          <a:xfrm>
+            <a:off x="7700766" y="1147628"/>
+            <a:ext cx="917239" cy="400110"/>
+          </a:xfrm>
+          <a:prstGeom prst="rect">
+            <a:avLst/>
+          </a:prstGeom>
+          <a:noFill/>
+        </p:spPr>
+        <p:txBody>
+          <a:bodyPr wrap="none" rtlCol="0">
+            <a:spAutoFit/>
+          </a:bodyPr>
+          <a:lstStyle/>
+          <a:p>
+            <a:r>
+              <a:rPr lang="en-US" sz="1000" i="1" dirty="0">
+                <a:latin typeface="Arial" panose="020B0604020202020204" pitchFamily="34" charset="0"/>
+                <a:cs typeface="Arial" panose="020B0604020202020204" pitchFamily="34" charset="0"/>
+              </a:rPr>
+              <a:t>R</a:t>
+            </a:r>
+            <a:r>
+              <a:rPr lang="en-US" sz="1000" i="1" baseline="30000" dirty="0">
+                <a:latin typeface="Arial" panose="020B0604020202020204" pitchFamily="34" charset="0"/>
+                <a:cs typeface="Arial" panose="020B0604020202020204" pitchFamily="34" charset="0"/>
+              </a:rPr>
+              <a:t>2</a:t>
+            </a:r>
+            <a:r>
+              <a:rPr lang="en-US" sz="1000" dirty="0">
+                <a:latin typeface="Arial" panose="020B0604020202020204" pitchFamily="34" charset="0"/>
+                <a:cs typeface="Arial" panose="020B0604020202020204" pitchFamily="34" charset="0"/>
+              </a:rPr>
+              <a:t> = 0.99</a:t>
+            </a:r>
+          </a:p>
+          <a:p>
+            <a:r>
+              <a:rPr lang="en-US" sz="1000" i="1" dirty="0">
+                <a:latin typeface="Arial" panose="020B0604020202020204" pitchFamily="34" charset="0"/>
+                <a:cs typeface="Arial" panose="020B0604020202020204" pitchFamily="34" charset="0"/>
+              </a:rPr>
+              <a:t>P</a:t>
+            </a:r>
+            <a:r>
+              <a:rPr lang="en-US" sz="1000" dirty="0">
+                <a:latin typeface="Arial" panose="020B0604020202020204" pitchFamily="34" charset="0"/>
+                <a:cs typeface="Arial" panose="020B0604020202020204" pitchFamily="34" charset="0"/>
+              </a:rPr>
+              <a:t> = 4.61e-09</a:t>
+            </a:r>
+          </a:p>
+        </p:txBody>
+      </p:sp>
+      <p:sp>
+        <p:nvSpPr>
+          <p:cNvPr id="26" name="TextBox 25">
+            <a:extLst>
+              <a:ext uri="{FF2B5EF4-FFF2-40B4-BE49-F238E27FC236}">
+                <a16:creationId xmlns:a16="http://schemas.microsoft.com/office/drawing/2014/main" id="{2DB0594C-EF3E-E5A9-D5B6-1680DE5A6095}"/>
+              </a:ext>
+            </a:extLst>
+          </p:cNvPr>
+          <p:cNvSpPr txBox="1"/>
+          <p:nvPr/>
+        </p:nvSpPr>
+        <p:spPr>
+          <a:xfrm>
+            <a:off x="2733955" y="1651420"/>
+            <a:ext cx="447558" cy="246221"/>
+          </a:xfrm>
+          <a:prstGeom prst="rect">
+            <a:avLst/>
+          </a:prstGeom>
+          <a:noFill/>
+        </p:spPr>
+        <p:txBody>
+          <a:bodyPr wrap="none" rtlCol="0">
+            <a:spAutoFit/>
+          </a:bodyPr>
+          <a:lstStyle/>
+          <a:p>
+            <a:r>
+              <a:rPr lang="en-US" sz="1000" i="1" dirty="0">
+                <a:solidFill>
+                  <a:srgbClr val="FF0000"/>
+                </a:solidFill>
+                <a:latin typeface="Arial" panose="020B0604020202020204" pitchFamily="34" charset="0"/>
+                <a:cs typeface="Arial" panose="020B0604020202020204" pitchFamily="34" charset="0"/>
+              </a:rPr>
+              <a:t>APC</a:t>
+            </a:r>
+          </a:p>
+        </p:txBody>
+      </p:sp>
+      <p:sp>
+        <p:nvSpPr>
+          <p:cNvPr id="27" name="TextBox 26">
+            <a:extLst>
+              <a:ext uri="{FF2B5EF4-FFF2-40B4-BE49-F238E27FC236}">
+                <a16:creationId xmlns:a16="http://schemas.microsoft.com/office/drawing/2014/main" id="{6C0A06EB-5285-85AE-C043-4E9A5566913E}"/>
+              </a:ext>
+            </a:extLst>
+          </p:cNvPr>
+          <p:cNvSpPr txBox="1"/>
+          <p:nvPr/>
+        </p:nvSpPr>
+        <p:spPr>
+          <a:xfrm>
+            <a:off x="2763717" y="2097371"/>
+            <a:ext cx="489236" cy="246221"/>
+          </a:xfrm>
+          <a:prstGeom prst="rect">
+            <a:avLst/>
+          </a:prstGeom>
+          <a:noFill/>
+        </p:spPr>
+        <p:txBody>
+          <a:bodyPr wrap="none" rtlCol="0">
+            <a:spAutoFit/>
+          </a:bodyPr>
+          <a:lstStyle/>
+          <a:p>
+            <a:r>
+              <a:rPr lang="en-US" sz="1000" i="1" dirty="0">
+                <a:solidFill>
+                  <a:srgbClr val="FF0000"/>
+                </a:solidFill>
+                <a:latin typeface="Arial" panose="020B0604020202020204" pitchFamily="34" charset="0"/>
+                <a:cs typeface="Arial" panose="020B0604020202020204" pitchFamily="34" charset="0"/>
+              </a:rPr>
+              <a:t>TP53</a:t>
+            </a:r>
+          </a:p>
+        </p:txBody>
+      </p:sp>
+      <p:sp>
+        <p:nvSpPr>
+          <p:cNvPr id="28" name="TextBox 27">
+            <a:extLst>
+              <a:ext uri="{FF2B5EF4-FFF2-40B4-BE49-F238E27FC236}">
+                <a16:creationId xmlns:a16="http://schemas.microsoft.com/office/drawing/2014/main" id="{25DA4315-0A9C-08EC-BD18-63EAAEA82D5B}"/>
+              </a:ext>
+            </a:extLst>
+          </p:cNvPr>
+          <p:cNvSpPr txBox="1"/>
+          <p:nvPr/>
+        </p:nvSpPr>
+        <p:spPr>
+          <a:xfrm>
+            <a:off x="2069435" y="1949124"/>
+            <a:ext cx="532518" cy="246221"/>
+          </a:xfrm>
+          <a:prstGeom prst="rect">
+            <a:avLst/>
+          </a:prstGeom>
+          <a:noFill/>
+        </p:spPr>
+        <p:txBody>
+          <a:bodyPr wrap="none" rtlCol="0">
+            <a:spAutoFit/>
+          </a:bodyPr>
+          <a:lstStyle/>
+          <a:p>
+            <a:r>
+              <a:rPr lang="en-US" sz="1000" i="1" dirty="0">
+                <a:solidFill>
+                  <a:srgbClr val="FF0000"/>
+                </a:solidFill>
+                <a:latin typeface="Arial" panose="020B0604020202020204" pitchFamily="34" charset="0"/>
+                <a:cs typeface="Arial" panose="020B0604020202020204" pitchFamily="34" charset="0"/>
+              </a:rPr>
+              <a:t>KRAS</a:t>
+            </a:r>
+          </a:p>
+        </p:txBody>
+      </p:sp>
+      <p:sp>
+        <p:nvSpPr>
+          <p:cNvPr id="29" name="TextBox 28">
+            <a:extLst>
+              <a:ext uri="{FF2B5EF4-FFF2-40B4-BE49-F238E27FC236}">
+                <a16:creationId xmlns:a16="http://schemas.microsoft.com/office/drawing/2014/main" id="{406A467C-E1D1-8D94-FFC8-35DF4599046F}"/>
+              </a:ext>
+            </a:extLst>
+          </p:cNvPr>
+          <p:cNvSpPr txBox="1"/>
+          <p:nvPr/>
+        </p:nvSpPr>
+        <p:spPr>
+          <a:xfrm>
+            <a:off x="1155425" y="2521810"/>
+            <a:ext cx="625492" cy="246221"/>
+          </a:xfrm>
+          <a:prstGeom prst="rect">
+            <a:avLst/>
+          </a:prstGeom>
+          <a:noFill/>
+        </p:spPr>
+        <p:txBody>
+          <a:bodyPr wrap="none" rtlCol="0">
+            <a:spAutoFit/>
+          </a:bodyPr>
+          <a:lstStyle/>
+          <a:p>
+            <a:r>
+              <a:rPr lang="en-US" sz="1000" i="1" dirty="0">
+                <a:solidFill>
+                  <a:srgbClr val="FF0000"/>
+                </a:solidFill>
+                <a:latin typeface="Arial" panose="020B0604020202020204" pitchFamily="34" charset="0"/>
+                <a:cs typeface="Arial" panose="020B0604020202020204" pitchFamily="34" charset="0"/>
+              </a:rPr>
+              <a:t>SMAD4</a:t>
+            </a:r>
+          </a:p>
+        </p:txBody>
+      </p:sp>
+      <p:sp>
+        <p:nvSpPr>
+          <p:cNvPr id="30" name="TextBox 29">
+            <a:extLst>
+              <a:ext uri="{FF2B5EF4-FFF2-40B4-BE49-F238E27FC236}">
+                <a16:creationId xmlns:a16="http://schemas.microsoft.com/office/drawing/2014/main" id="{E991122D-7AEE-6107-4071-88503D5C0486}"/>
+              </a:ext>
+            </a:extLst>
+          </p:cNvPr>
+          <p:cNvSpPr txBox="1"/>
+          <p:nvPr/>
+        </p:nvSpPr>
+        <p:spPr>
+          <a:xfrm>
+            <a:off x="5444228" y="1876156"/>
+            <a:ext cx="447558" cy="246221"/>
+          </a:xfrm>
+          <a:prstGeom prst="rect">
+            <a:avLst/>
+          </a:prstGeom>
+          <a:noFill/>
+        </p:spPr>
+        <p:txBody>
+          <a:bodyPr wrap="none" rtlCol="0">
+            <a:spAutoFit/>
+          </a:bodyPr>
+          <a:lstStyle/>
+          <a:p>
+            <a:r>
+              <a:rPr lang="en-US" sz="1000" i="1" dirty="0">
+                <a:solidFill>
+                  <a:srgbClr val="FF0000"/>
+                </a:solidFill>
+                <a:latin typeface="Arial" panose="020B0604020202020204" pitchFamily="34" charset="0"/>
+                <a:cs typeface="Arial" panose="020B0604020202020204" pitchFamily="34" charset="0"/>
+              </a:rPr>
+              <a:t>APC</a:t>
+            </a:r>
+          </a:p>
+        </p:txBody>
+      </p:sp>
+      <p:sp>
+        <p:nvSpPr>
+          <p:cNvPr id="31" name="TextBox 30">
+            <a:extLst>
+              <a:ext uri="{FF2B5EF4-FFF2-40B4-BE49-F238E27FC236}">
+                <a16:creationId xmlns:a16="http://schemas.microsoft.com/office/drawing/2014/main" id="{DF39C20D-95D5-F33E-5349-CD4A755B13F7}"/>
+              </a:ext>
+            </a:extLst>
+          </p:cNvPr>
+          <p:cNvSpPr txBox="1"/>
+          <p:nvPr/>
+        </p:nvSpPr>
+        <p:spPr>
+          <a:xfrm>
+            <a:off x="5434049" y="2224675"/>
+            <a:ext cx="489236" cy="246221"/>
+          </a:xfrm>
+          <a:prstGeom prst="rect">
+            <a:avLst/>
+          </a:prstGeom>
+          <a:noFill/>
+        </p:spPr>
+        <p:txBody>
+          <a:bodyPr wrap="none" rtlCol="0">
+            <a:spAutoFit/>
+          </a:bodyPr>
+          <a:lstStyle/>
+          <a:p>
+            <a:r>
+              <a:rPr lang="en-US" sz="1000" i="1" dirty="0">
+                <a:solidFill>
+                  <a:srgbClr val="FF0000"/>
+                </a:solidFill>
+                <a:latin typeface="Arial" panose="020B0604020202020204" pitchFamily="34" charset="0"/>
+                <a:cs typeface="Arial" panose="020B0604020202020204" pitchFamily="34" charset="0"/>
+              </a:rPr>
+              <a:t>TP53</a:t>
+            </a:r>
+          </a:p>
+        </p:txBody>
+      </p:sp>
+      <p:sp>
+        <p:nvSpPr>
+          <p:cNvPr id="32" name="TextBox 31">
+            <a:extLst>
+              <a:ext uri="{FF2B5EF4-FFF2-40B4-BE49-F238E27FC236}">
+                <a16:creationId xmlns:a16="http://schemas.microsoft.com/office/drawing/2014/main" id="{C1DCEF09-8CC3-F9BC-18FC-977D8A7C06B5}"/>
+              </a:ext>
+            </a:extLst>
+          </p:cNvPr>
+          <p:cNvSpPr txBox="1"/>
+          <p:nvPr/>
+        </p:nvSpPr>
+        <p:spPr>
+          <a:xfrm>
+            <a:off x="4816665" y="2154090"/>
+            <a:ext cx="532518" cy="246221"/>
+          </a:xfrm>
+          <a:prstGeom prst="rect">
+            <a:avLst/>
+          </a:prstGeom>
+          <a:noFill/>
+        </p:spPr>
+        <p:txBody>
+          <a:bodyPr wrap="none" rtlCol="0">
+            <a:spAutoFit/>
+          </a:bodyPr>
+          <a:lstStyle/>
+          <a:p>
+            <a:r>
+              <a:rPr lang="en-US" sz="1000" i="1" dirty="0">
+                <a:solidFill>
+                  <a:srgbClr val="FF0000"/>
+                </a:solidFill>
+                <a:latin typeface="Arial" panose="020B0604020202020204" pitchFamily="34" charset="0"/>
+                <a:cs typeface="Arial" panose="020B0604020202020204" pitchFamily="34" charset="0"/>
+              </a:rPr>
+              <a:t>KRAS</a:t>
+            </a:r>
+          </a:p>
+        </p:txBody>
+      </p:sp>
+      <p:sp>
+        <p:nvSpPr>
+          <p:cNvPr id="33" name="TextBox 32">
+            <a:extLst>
+              <a:ext uri="{FF2B5EF4-FFF2-40B4-BE49-F238E27FC236}">
+                <a16:creationId xmlns:a16="http://schemas.microsoft.com/office/drawing/2014/main" id="{EDAAD118-710B-4C9F-331A-26E4B5D4BD3A}"/>
+              </a:ext>
+            </a:extLst>
+          </p:cNvPr>
+          <p:cNvSpPr txBox="1"/>
+          <p:nvPr/>
+        </p:nvSpPr>
+        <p:spPr>
+          <a:xfrm>
+            <a:off x="4202059" y="2763549"/>
+            <a:ext cx="625492" cy="246221"/>
+          </a:xfrm>
+          <a:prstGeom prst="rect">
+            <a:avLst/>
+          </a:prstGeom>
+          <a:noFill/>
+        </p:spPr>
+        <p:txBody>
+          <a:bodyPr wrap="none" rtlCol="0">
+            <a:spAutoFit/>
+          </a:bodyPr>
+          <a:lstStyle/>
+          <a:p>
+            <a:r>
+              <a:rPr lang="en-US" sz="1000" i="1" dirty="0">
+                <a:solidFill>
+                  <a:srgbClr val="FF0000"/>
+                </a:solidFill>
+                <a:latin typeface="Arial" panose="020B0604020202020204" pitchFamily="34" charset="0"/>
+                <a:cs typeface="Arial" panose="020B0604020202020204" pitchFamily="34" charset="0"/>
+              </a:rPr>
+              <a:t>SMAD4</a:t>
+            </a:r>
+          </a:p>
+        </p:txBody>
+      </p:sp>
+      <p:sp>
+        <p:nvSpPr>
+          <p:cNvPr id="34" name="TextBox 33">
+            <a:extLst>
+              <a:ext uri="{FF2B5EF4-FFF2-40B4-BE49-F238E27FC236}">
+                <a16:creationId xmlns:a16="http://schemas.microsoft.com/office/drawing/2014/main" id="{DE3FB9BD-2419-4030-4EDC-971E7D9CA72D}"/>
+              </a:ext>
+            </a:extLst>
+          </p:cNvPr>
+          <p:cNvSpPr txBox="1"/>
+          <p:nvPr/>
+        </p:nvSpPr>
+        <p:spPr>
+          <a:xfrm>
+            <a:off x="7745874" y="1916465"/>
+            <a:ext cx="447558" cy="246221"/>
+          </a:xfrm>
+          <a:prstGeom prst="rect">
+            <a:avLst/>
+          </a:prstGeom>
+          <a:noFill/>
+        </p:spPr>
+        <p:txBody>
+          <a:bodyPr wrap="none" rtlCol="0">
+            <a:spAutoFit/>
+          </a:bodyPr>
+          <a:lstStyle/>
+          <a:p>
+            <a:r>
+              <a:rPr lang="en-US" sz="1000" i="1" dirty="0">
+                <a:solidFill>
+                  <a:srgbClr val="FF0000"/>
+                </a:solidFill>
+                <a:latin typeface="Arial" panose="020B0604020202020204" pitchFamily="34" charset="0"/>
+                <a:cs typeface="Arial" panose="020B0604020202020204" pitchFamily="34" charset="0"/>
+              </a:rPr>
+              <a:t>APC</a:t>
+            </a:r>
+          </a:p>
+        </p:txBody>
+      </p:sp>
+      <p:sp>
+        <p:nvSpPr>
+          <p:cNvPr id="35" name="TextBox 34">
+            <a:extLst>
+              <a:ext uri="{FF2B5EF4-FFF2-40B4-BE49-F238E27FC236}">
+                <a16:creationId xmlns:a16="http://schemas.microsoft.com/office/drawing/2014/main" id="{04659D70-3DBF-B84B-2365-C2481FE40891}"/>
+              </a:ext>
+            </a:extLst>
+          </p:cNvPr>
+          <p:cNvSpPr txBox="1"/>
+          <p:nvPr/>
+        </p:nvSpPr>
+        <p:spPr>
+          <a:xfrm>
+            <a:off x="7451852" y="2298972"/>
+            <a:ext cx="532518" cy="246221"/>
+          </a:xfrm>
+          <a:prstGeom prst="rect">
+            <a:avLst/>
+          </a:prstGeom>
+          <a:noFill/>
+        </p:spPr>
+        <p:txBody>
+          <a:bodyPr wrap="none" rtlCol="0">
+            <a:spAutoFit/>
+          </a:bodyPr>
+          <a:lstStyle/>
+          <a:p>
+            <a:r>
+              <a:rPr lang="en-US" sz="1000" i="1" dirty="0">
+                <a:solidFill>
+                  <a:srgbClr val="FF0000"/>
+                </a:solidFill>
+                <a:latin typeface="Arial" panose="020B0604020202020204" pitchFamily="34" charset="0"/>
+                <a:cs typeface="Arial" panose="020B0604020202020204" pitchFamily="34" charset="0"/>
+              </a:rPr>
+              <a:t>KRAS</a:t>
+            </a:r>
+          </a:p>
+        </p:txBody>
+      </p:sp>
+      <p:sp>
+        <p:nvSpPr>
+          <p:cNvPr id="36" name="TextBox 35">
+            <a:extLst>
+              <a:ext uri="{FF2B5EF4-FFF2-40B4-BE49-F238E27FC236}">
+                <a16:creationId xmlns:a16="http://schemas.microsoft.com/office/drawing/2014/main" id="{A4988FDD-590B-F316-8D49-95B28FAEED5C}"/>
+              </a:ext>
+            </a:extLst>
+          </p:cNvPr>
+          <p:cNvSpPr txBox="1"/>
+          <p:nvPr/>
+        </p:nvSpPr>
+        <p:spPr>
+          <a:xfrm>
+            <a:off x="7103645" y="2050061"/>
+            <a:ext cx="489236" cy="246221"/>
+          </a:xfrm>
+          <a:prstGeom prst="rect">
+            <a:avLst/>
+          </a:prstGeom>
+          <a:noFill/>
+        </p:spPr>
+        <p:txBody>
+          <a:bodyPr wrap="none" rtlCol="0">
+            <a:spAutoFit/>
+          </a:bodyPr>
+          <a:lstStyle/>
+          <a:p>
+            <a:r>
+              <a:rPr lang="en-US" sz="1000" i="1" dirty="0">
+                <a:solidFill>
+                  <a:srgbClr val="FF0000"/>
+                </a:solidFill>
+                <a:latin typeface="Arial" panose="020B0604020202020204" pitchFamily="34" charset="0"/>
+                <a:cs typeface="Arial" panose="020B0604020202020204" pitchFamily="34" charset="0"/>
+              </a:rPr>
+              <a:t>TP53</a:t>
+            </a:r>
+          </a:p>
+        </p:txBody>
+      </p:sp>
+      <p:sp>
+        <p:nvSpPr>
+          <p:cNvPr id="37" name="TextBox 36">
+            <a:extLst>
+              <a:ext uri="{FF2B5EF4-FFF2-40B4-BE49-F238E27FC236}">
+                <a16:creationId xmlns:a16="http://schemas.microsoft.com/office/drawing/2014/main" id="{3F8B3690-5350-57A8-2D9D-099A3F97AE14}"/>
+              </a:ext>
+            </a:extLst>
+          </p:cNvPr>
+          <p:cNvSpPr txBox="1"/>
+          <p:nvPr/>
+        </p:nvSpPr>
+        <p:spPr>
+          <a:xfrm>
+            <a:off x="6838660" y="2732295"/>
+            <a:ext cx="625492" cy="246221"/>
+          </a:xfrm>
+          <a:prstGeom prst="rect">
+            <a:avLst/>
+          </a:prstGeom>
+          <a:noFill/>
+        </p:spPr>
+        <p:txBody>
+          <a:bodyPr wrap="none" rtlCol="0">
+            <a:spAutoFit/>
+          </a:bodyPr>
+          <a:lstStyle/>
+          <a:p>
+            <a:r>
+              <a:rPr lang="en-US" sz="1000" i="1" dirty="0">
+                <a:solidFill>
+                  <a:srgbClr val="FF0000"/>
+                </a:solidFill>
+                <a:latin typeface="Arial" panose="020B0604020202020204" pitchFamily="34" charset="0"/>
+                <a:cs typeface="Arial" panose="020B0604020202020204" pitchFamily="34" charset="0"/>
+              </a:rPr>
+              <a:t>SMAD4</a:t>
+            </a:r>
+          </a:p>
+        </p:txBody>
+      </p:sp>
+      <p:sp>
+        <p:nvSpPr>
+          <p:cNvPr id="38" name="TextBox 37">
+            <a:extLst>
+              <a:ext uri="{FF2B5EF4-FFF2-40B4-BE49-F238E27FC236}">
+                <a16:creationId xmlns:a16="http://schemas.microsoft.com/office/drawing/2014/main" id="{32823E84-0D02-31D3-0A92-369647FB95A3}"/>
+              </a:ext>
+            </a:extLst>
+          </p:cNvPr>
+          <p:cNvSpPr txBox="1"/>
+          <p:nvPr/>
+        </p:nvSpPr>
+        <p:spPr>
+          <a:xfrm>
+            <a:off x="2300166" y="3707978"/>
+            <a:ext cx="917239" cy="400110"/>
+          </a:xfrm>
+          <a:prstGeom prst="rect">
+            <a:avLst/>
+          </a:prstGeom>
+          <a:noFill/>
+        </p:spPr>
+        <p:txBody>
+          <a:bodyPr wrap="none" rtlCol="0">
+            <a:spAutoFit/>
+          </a:bodyPr>
+          <a:lstStyle/>
+          <a:p>
+            <a:r>
+              <a:rPr lang="en-US" sz="1000" i="1" dirty="0">
+                <a:latin typeface="Arial" panose="020B0604020202020204" pitchFamily="34" charset="0"/>
+                <a:cs typeface="Arial" panose="020B0604020202020204" pitchFamily="34" charset="0"/>
+              </a:rPr>
+              <a:t>R</a:t>
+            </a:r>
+            <a:r>
+              <a:rPr lang="en-US" sz="1000" i="1" baseline="30000" dirty="0">
+                <a:latin typeface="Arial" panose="020B0604020202020204" pitchFamily="34" charset="0"/>
+                <a:cs typeface="Arial" panose="020B0604020202020204" pitchFamily="34" charset="0"/>
+              </a:rPr>
+              <a:t>2</a:t>
+            </a:r>
+            <a:r>
+              <a:rPr lang="en-US" sz="1000" dirty="0">
+                <a:latin typeface="Arial" panose="020B0604020202020204" pitchFamily="34" charset="0"/>
+                <a:cs typeface="Arial" panose="020B0604020202020204" pitchFamily="34" charset="0"/>
+              </a:rPr>
+              <a:t> = 0.</a:t>
+            </a:r>
+            <a:r>
+              <a:rPr lang="en-US" altLang="ko-KR" sz="1000" dirty="0">
+                <a:latin typeface="Arial" panose="020B0604020202020204" pitchFamily="34" charset="0"/>
+                <a:cs typeface="Arial" panose="020B0604020202020204" pitchFamily="34" charset="0"/>
+              </a:rPr>
+              <a:t>24</a:t>
+            </a:r>
+            <a:endParaRPr lang="en-US" sz="1000" dirty="0">
+              <a:latin typeface="Arial" panose="020B0604020202020204" pitchFamily="34" charset="0"/>
+              <a:cs typeface="Arial" panose="020B0604020202020204" pitchFamily="34" charset="0"/>
+            </a:endParaRPr>
+          </a:p>
+          <a:p>
+            <a:r>
+              <a:rPr lang="en-US" sz="1000" i="1" dirty="0">
+                <a:latin typeface="Arial" panose="020B0604020202020204" pitchFamily="34" charset="0"/>
+                <a:cs typeface="Arial" panose="020B0604020202020204" pitchFamily="34" charset="0"/>
+              </a:rPr>
+              <a:t>P</a:t>
+            </a:r>
+            <a:r>
+              <a:rPr lang="en-US" sz="1000" dirty="0">
+                <a:latin typeface="Arial" panose="020B0604020202020204" pitchFamily="34" charset="0"/>
+                <a:cs typeface="Arial" panose="020B0604020202020204" pitchFamily="34" charset="0"/>
+              </a:rPr>
+              <a:t> = </a:t>
+            </a:r>
+            <a:r>
+              <a:rPr lang="en-US" altLang="ko-KR" sz="1000" dirty="0">
+                <a:latin typeface="Arial" panose="020B0604020202020204" pitchFamily="34" charset="0"/>
+                <a:cs typeface="Arial" panose="020B0604020202020204" pitchFamily="34" charset="0"/>
+              </a:rPr>
+              <a:t>2.02</a:t>
+            </a:r>
+            <a:r>
+              <a:rPr lang="en-US" sz="1000" dirty="0">
+                <a:latin typeface="Arial" panose="020B0604020202020204" pitchFamily="34" charset="0"/>
+                <a:cs typeface="Arial" panose="020B0604020202020204" pitchFamily="34" charset="0"/>
+              </a:rPr>
+              <a:t>e-06</a:t>
+            </a:r>
+          </a:p>
+        </p:txBody>
+      </p:sp>
+      <p:sp>
+        <p:nvSpPr>
+          <p:cNvPr id="39" name="TextBox 38">
+            <a:extLst>
+              <a:ext uri="{FF2B5EF4-FFF2-40B4-BE49-F238E27FC236}">
+                <a16:creationId xmlns:a16="http://schemas.microsoft.com/office/drawing/2014/main" id="{D29209AD-7150-226A-EA7A-3C8D638EDA0C}"/>
+              </a:ext>
+            </a:extLst>
+          </p:cNvPr>
+          <p:cNvSpPr txBox="1"/>
+          <p:nvPr/>
+        </p:nvSpPr>
+        <p:spPr>
+          <a:xfrm>
+            <a:off x="4980236" y="3707978"/>
+            <a:ext cx="917239" cy="400110"/>
+          </a:xfrm>
+          <a:prstGeom prst="rect">
+            <a:avLst/>
+          </a:prstGeom>
+          <a:noFill/>
+        </p:spPr>
+        <p:txBody>
+          <a:bodyPr wrap="none" rtlCol="0">
+            <a:spAutoFit/>
+          </a:bodyPr>
+          <a:lstStyle/>
+          <a:p>
+            <a:r>
+              <a:rPr lang="en-US" sz="1000" i="1" dirty="0">
+                <a:latin typeface="Arial" panose="020B0604020202020204" pitchFamily="34" charset="0"/>
+                <a:cs typeface="Arial" panose="020B0604020202020204" pitchFamily="34" charset="0"/>
+              </a:rPr>
+              <a:t>R</a:t>
+            </a:r>
+            <a:r>
+              <a:rPr lang="en-US" sz="1000" i="1" baseline="30000" dirty="0">
+                <a:latin typeface="Arial" panose="020B0604020202020204" pitchFamily="34" charset="0"/>
+                <a:cs typeface="Arial" panose="020B0604020202020204" pitchFamily="34" charset="0"/>
+              </a:rPr>
+              <a:t>2</a:t>
+            </a:r>
+            <a:r>
+              <a:rPr lang="en-US" sz="1000" dirty="0">
+                <a:latin typeface="Arial" panose="020B0604020202020204" pitchFamily="34" charset="0"/>
+                <a:cs typeface="Arial" panose="020B0604020202020204" pitchFamily="34" charset="0"/>
+              </a:rPr>
+              <a:t> = 0.16</a:t>
+            </a:r>
+          </a:p>
+          <a:p>
+            <a:r>
+              <a:rPr lang="en-US" sz="1000" i="1" dirty="0">
+                <a:latin typeface="Arial" panose="020B0604020202020204" pitchFamily="34" charset="0"/>
+                <a:cs typeface="Arial" panose="020B0604020202020204" pitchFamily="34" charset="0"/>
+              </a:rPr>
+              <a:t>P</a:t>
+            </a:r>
+            <a:r>
+              <a:rPr lang="en-US" sz="1000" dirty="0">
+                <a:latin typeface="Arial" panose="020B0604020202020204" pitchFamily="34" charset="0"/>
+                <a:cs typeface="Arial" panose="020B0604020202020204" pitchFamily="34" charset="0"/>
+              </a:rPr>
+              <a:t> = 1</a:t>
+            </a:r>
+            <a:r>
+              <a:rPr lang="en-US" altLang="ko-KR" sz="1000" dirty="0">
+                <a:latin typeface="Arial" panose="020B0604020202020204" pitchFamily="34" charset="0"/>
+                <a:cs typeface="Arial" panose="020B0604020202020204" pitchFamily="34" charset="0"/>
+              </a:rPr>
+              <a:t>.48</a:t>
+            </a:r>
+            <a:r>
+              <a:rPr lang="en-US" sz="1000" dirty="0">
+                <a:latin typeface="Arial" panose="020B0604020202020204" pitchFamily="34" charset="0"/>
+                <a:cs typeface="Arial" panose="020B0604020202020204" pitchFamily="34" charset="0"/>
+              </a:rPr>
+              <a:t>e-04</a:t>
+            </a:r>
+          </a:p>
+        </p:txBody>
+      </p:sp>
+      <p:sp>
+        <p:nvSpPr>
+          <p:cNvPr id="40" name="TextBox 39">
+            <a:extLst>
+              <a:ext uri="{FF2B5EF4-FFF2-40B4-BE49-F238E27FC236}">
+                <a16:creationId xmlns:a16="http://schemas.microsoft.com/office/drawing/2014/main" id="{249120D2-B9D6-69C7-2023-12E2086FECE0}"/>
+              </a:ext>
+            </a:extLst>
+          </p:cNvPr>
+          <p:cNvSpPr txBox="1"/>
+          <p:nvPr/>
+        </p:nvSpPr>
+        <p:spPr>
+          <a:xfrm>
+            <a:off x="7700766" y="3707978"/>
+            <a:ext cx="917239" cy="400110"/>
+          </a:xfrm>
+          <a:prstGeom prst="rect">
+            <a:avLst/>
+          </a:prstGeom>
+          <a:noFill/>
+        </p:spPr>
+        <p:txBody>
+          <a:bodyPr wrap="none" rtlCol="0">
+            <a:spAutoFit/>
+          </a:bodyPr>
+          <a:lstStyle/>
+          <a:p>
+            <a:r>
+              <a:rPr lang="en-US" sz="1000" i="1" dirty="0">
+                <a:latin typeface="Arial" panose="020B0604020202020204" pitchFamily="34" charset="0"/>
+                <a:cs typeface="Arial" panose="020B0604020202020204" pitchFamily="34" charset="0"/>
+              </a:rPr>
+              <a:t>R</a:t>
+            </a:r>
+            <a:r>
+              <a:rPr lang="en-US" sz="1000" i="1" baseline="30000" dirty="0">
+                <a:latin typeface="Arial" panose="020B0604020202020204" pitchFamily="34" charset="0"/>
+                <a:cs typeface="Arial" panose="020B0604020202020204" pitchFamily="34" charset="0"/>
+              </a:rPr>
+              <a:t>2</a:t>
+            </a:r>
+            <a:r>
+              <a:rPr lang="en-US" sz="1000" dirty="0">
+                <a:latin typeface="Arial" panose="020B0604020202020204" pitchFamily="34" charset="0"/>
+                <a:cs typeface="Arial" panose="020B0604020202020204" pitchFamily="34" charset="0"/>
+              </a:rPr>
+              <a:t> = 0.40</a:t>
+            </a:r>
+          </a:p>
+          <a:p>
+            <a:r>
+              <a:rPr lang="en-US" sz="1000" i="1" dirty="0">
+                <a:latin typeface="Arial" panose="020B0604020202020204" pitchFamily="34" charset="0"/>
+                <a:cs typeface="Arial" panose="020B0604020202020204" pitchFamily="34" charset="0"/>
+              </a:rPr>
+              <a:t>P</a:t>
+            </a:r>
+            <a:r>
+              <a:rPr lang="en-US" sz="1000" dirty="0">
+                <a:latin typeface="Arial" panose="020B0604020202020204" pitchFamily="34" charset="0"/>
+                <a:cs typeface="Arial" panose="020B0604020202020204" pitchFamily="34" charset="0"/>
+              </a:rPr>
+              <a:t> = 8.21e-11</a:t>
+            </a:r>
+          </a:p>
+        </p:txBody>
+      </p:sp>
     </p:spTree>
     <p:extLst>
       <p:ext uri="{BB962C8B-B14F-4D97-AF65-F5344CB8AC3E}">
-        <p14:creationId xmlns:p14="http://schemas.microsoft.com/office/powerpoint/2010/main" val="2101809218"/>
+        <p14:creationId xmlns:p14="http://schemas.microsoft.com/office/powerpoint/2010/main" val="2847547890"/>
       </p:ext>
     </p:extLst>
   </p:cSld>
